--- a/07-prednaska/07.01-async-callbacks.pptx
+++ b/07-prednaska/07.01-async-callbacks.pptx
@@ -358,7 +358,7 @@
           <a:p>
             <a:fld id="{872A6A74-2788-B34A-91BB-A4AF3F4F9523}" type="datetimeFigureOut">
               <a:rPr lang="sk-SK" smtClean="0"/>
-              <a:t>30.10.19</a:t>
+              <a:t>4. 11. 2019</a:t>
             </a:fld>
             <a:endParaRPr lang="sk-SK"/>
           </a:p>
@@ -2145,7 +2145,7 @@
           <a:p>
             <a:fld id="{1FBE2C08-0BB8-E84C-876D-46D9639D5D58}" type="datetimeFigureOut">
               <a:rPr lang="sk-SK" smtClean="0"/>
-              <a:t>30.10.19</a:t>
+              <a:t>4. 11. 2019</a:t>
             </a:fld>
             <a:endParaRPr lang="sk-SK"/>
           </a:p>
@@ -2345,7 +2345,7 @@
           <a:p>
             <a:fld id="{1FBE2C08-0BB8-E84C-876D-46D9639D5D58}" type="datetimeFigureOut">
               <a:rPr lang="sk-SK" smtClean="0"/>
-              <a:t>30.10.19</a:t>
+              <a:t>4. 11. 2019</a:t>
             </a:fld>
             <a:endParaRPr lang="sk-SK"/>
           </a:p>
@@ -2555,7 +2555,7 @@
           <a:p>
             <a:fld id="{1FBE2C08-0BB8-E84C-876D-46D9639D5D58}" type="datetimeFigureOut">
               <a:rPr lang="sk-SK" smtClean="0"/>
-              <a:t>30.10.19</a:t>
+              <a:t>4. 11. 2019</a:t>
             </a:fld>
             <a:endParaRPr lang="sk-SK"/>
           </a:p>
@@ -2755,7 +2755,7 @@
           <a:p>
             <a:fld id="{1FBE2C08-0BB8-E84C-876D-46D9639D5D58}" type="datetimeFigureOut">
               <a:rPr lang="sk-SK" smtClean="0"/>
-              <a:t>30.10.19</a:t>
+              <a:t>4. 11. 2019</a:t>
             </a:fld>
             <a:endParaRPr lang="sk-SK"/>
           </a:p>
@@ -3031,7 +3031,7 @@
           <a:p>
             <a:fld id="{1FBE2C08-0BB8-E84C-876D-46D9639D5D58}" type="datetimeFigureOut">
               <a:rPr lang="sk-SK" smtClean="0"/>
-              <a:t>30.10.19</a:t>
+              <a:t>4. 11. 2019</a:t>
             </a:fld>
             <a:endParaRPr lang="sk-SK"/>
           </a:p>
@@ -3299,7 +3299,7 @@
           <a:p>
             <a:fld id="{1FBE2C08-0BB8-E84C-876D-46D9639D5D58}" type="datetimeFigureOut">
               <a:rPr lang="sk-SK" smtClean="0"/>
-              <a:t>30.10.19</a:t>
+              <a:t>4. 11. 2019</a:t>
             </a:fld>
             <a:endParaRPr lang="sk-SK"/>
           </a:p>
@@ -3714,7 +3714,7 @@
           <a:p>
             <a:fld id="{1FBE2C08-0BB8-E84C-876D-46D9639D5D58}" type="datetimeFigureOut">
               <a:rPr lang="sk-SK" smtClean="0"/>
-              <a:t>30.10.19</a:t>
+              <a:t>4. 11. 2019</a:t>
             </a:fld>
             <a:endParaRPr lang="sk-SK"/>
           </a:p>
@@ -3856,7 +3856,7 @@
           <a:p>
             <a:fld id="{1FBE2C08-0BB8-E84C-876D-46D9639D5D58}" type="datetimeFigureOut">
               <a:rPr lang="sk-SK" smtClean="0"/>
-              <a:t>30.10.19</a:t>
+              <a:t>4. 11. 2019</a:t>
             </a:fld>
             <a:endParaRPr lang="sk-SK"/>
           </a:p>
@@ -3969,7 +3969,7 @@
           <a:p>
             <a:fld id="{1FBE2C08-0BB8-E84C-876D-46D9639D5D58}" type="datetimeFigureOut">
               <a:rPr lang="sk-SK" smtClean="0"/>
-              <a:t>30.10.19</a:t>
+              <a:t>4. 11. 2019</a:t>
             </a:fld>
             <a:endParaRPr lang="sk-SK"/>
           </a:p>
@@ -4282,7 +4282,7 @@
           <a:p>
             <a:fld id="{1FBE2C08-0BB8-E84C-876D-46D9639D5D58}" type="datetimeFigureOut">
               <a:rPr lang="sk-SK" smtClean="0"/>
-              <a:t>30.10.19</a:t>
+              <a:t>4. 11. 2019</a:t>
             </a:fld>
             <a:endParaRPr lang="sk-SK"/>
           </a:p>
@@ -4571,7 +4571,7 @@
           <a:p>
             <a:fld id="{1FBE2C08-0BB8-E84C-876D-46D9639D5D58}" type="datetimeFigureOut">
               <a:rPr lang="sk-SK" smtClean="0"/>
-              <a:t>30.10.19</a:t>
+              <a:t>4. 11. 2019</a:t>
             </a:fld>
             <a:endParaRPr lang="sk-SK"/>
           </a:p>
@@ -4814,7 +4814,7 @@
           <a:p>
             <a:fld id="{1FBE2C08-0BB8-E84C-876D-46D9639D5D58}" type="datetimeFigureOut">
               <a:rPr lang="sk-SK" smtClean="0"/>
-              <a:t>30.10.19</a:t>
+              <a:t>4. 11. 2019</a:t>
             </a:fld>
             <a:endParaRPr lang="sk-SK"/>
           </a:p>
@@ -7561,13 +7561,8 @@
             </a:pPr>
             <a:r>
               <a:rPr lang="sk-SK" sz="5200" b="1" dirty="0"/>
-              <a:t>a, f, b, c, d, </a:t>
-            </a:r>
-            <a:r>
-              <a:rPr lang="sk-SK" sz="5200" b="1" dirty="0" err="1"/>
-              <a:t>e</a:t>
-            </a:r>
-            <a:endParaRPr lang="sk-SK" sz="5200" b="1" dirty="0"/>
+              <a:t>a, f, b, c, e, d</a:t>
+            </a:r>
           </a:p>
           <a:p>
             <a:pPr marL="0" indent="0">
@@ -11634,8 +11629,8 @@
           </a:p>
         </p:txBody>
       </p:sp>
-      <mc:AlternateContent xmlns:mc="http://schemas.openxmlformats.org/markup-compatibility/2006">
-        <mc:Choice xmlns:p14="http://schemas.microsoft.com/office/powerpoint/2010/main" Requires="p14">
+      <mc:AlternateContent xmlns:mc="http://schemas.openxmlformats.org/markup-compatibility/2006" xmlns:p14="http://schemas.microsoft.com/office/powerpoint/2010/main">
+        <mc:Choice Requires="p14">
           <p:contentPart p14:bwMode="auto" r:id="rId3">
             <p14:nvContentPartPr>
               <p14:cNvPr id="5" name="Ink 4">
@@ -11654,7 +11649,7 @@
             </p14:xfrm>
           </p:contentPart>
         </mc:Choice>
-        <mc:Fallback>
+        <mc:Fallback xmlns="">
           <p:pic>
             <p:nvPicPr>
               <p:cNvPr id="5" name="Ink 4">
@@ -11685,8 +11680,8 @@
           </p:pic>
         </mc:Fallback>
       </mc:AlternateContent>
-      <mc:AlternateContent xmlns:mc="http://schemas.openxmlformats.org/markup-compatibility/2006">
-        <mc:Choice xmlns:p14="http://schemas.microsoft.com/office/powerpoint/2010/main" Requires="p14">
+      <mc:AlternateContent xmlns:mc="http://schemas.openxmlformats.org/markup-compatibility/2006" xmlns:p14="http://schemas.microsoft.com/office/powerpoint/2010/main">
+        <mc:Choice Requires="p14">
           <p:contentPart p14:bwMode="auto" r:id="rId5">
             <p14:nvContentPartPr>
               <p14:cNvPr id="17" name="Ink 16">
@@ -11705,7 +11700,7 @@
             </p14:xfrm>
           </p:contentPart>
         </mc:Choice>
-        <mc:Fallback>
+        <mc:Fallback xmlns="">
           <p:pic>
             <p:nvPicPr>
               <p:cNvPr id="17" name="Ink 16">
@@ -13008,8 +13003,8 @@
           </a:p>
         </p:txBody>
       </p:sp>
-      <mc:AlternateContent xmlns:mc="http://schemas.openxmlformats.org/markup-compatibility/2006">
-        <mc:Choice xmlns:p14="http://schemas.microsoft.com/office/powerpoint/2010/main" Requires="p14">
+      <mc:AlternateContent xmlns:mc="http://schemas.openxmlformats.org/markup-compatibility/2006" xmlns:p14="http://schemas.microsoft.com/office/powerpoint/2010/main">
+        <mc:Choice Requires="p14">
           <p:contentPart p14:bwMode="auto" r:id="rId3">
             <p14:nvContentPartPr>
               <p14:cNvPr id="5" name="Ink 4">
@@ -13028,7 +13023,7 @@
             </p14:xfrm>
           </p:contentPart>
         </mc:Choice>
-        <mc:Fallback>
+        <mc:Fallback xmlns="">
           <p:pic>
             <p:nvPicPr>
               <p:cNvPr id="5" name="Ink 4">
@@ -13059,8 +13054,8 @@
           </p:pic>
         </mc:Fallback>
       </mc:AlternateContent>
-      <mc:AlternateContent xmlns:mc="http://schemas.openxmlformats.org/markup-compatibility/2006">
-        <mc:Choice xmlns:p14="http://schemas.microsoft.com/office/powerpoint/2010/main" Requires="p14">
+      <mc:AlternateContent xmlns:mc="http://schemas.openxmlformats.org/markup-compatibility/2006" xmlns:p14="http://schemas.microsoft.com/office/powerpoint/2010/main">
+        <mc:Choice Requires="p14">
           <p:contentPart p14:bwMode="auto" r:id="rId5">
             <p14:nvContentPartPr>
               <p14:cNvPr id="6" name="Ink 5">
@@ -13079,7 +13074,7 @@
             </p14:xfrm>
           </p:contentPart>
         </mc:Choice>
-        <mc:Fallback>
+        <mc:Fallback xmlns="">
           <p:pic>
             <p:nvPicPr>
               <p:cNvPr id="6" name="Ink 5">
